--- a/res/teamlogo/New Microsoft PowerPoint Presentation.pptx
+++ b/res/teamlogo/New Microsoft PowerPoint Presentation.pptx
@@ -104,6 +104,11 @@
       </a:defRPr>
     </a:lvl9pPr>
   </p:defaultTextStyle>
+  <p:extLst>
+    <p:ext uri="{EFAFB233-063F-42B5-8137-9DF3F51BA10A}">
+      <p15:sldGuideLst xmlns:p15="http://schemas.microsoft.com/office/powerpoint/2012/main"/>
+    </p:ext>
+  </p:extLst>
 </p:presentation>
 </file>
 
@@ -3436,7 +3441,7 @@
                 </a:ext>
               </a:extLst>
             </a:blip>
-            <a:srcRect l="-14388" r="-14388"/>
+            <a:srcRect l="-5171" t="-13385" r="-5171" b="-13385"/>
             <a:stretch/>
           </p:blipFill>
           <p:spPr>

--- a/res/teamlogo/New Microsoft PowerPoint Presentation.pptx
+++ b/res/teamlogo/New Microsoft PowerPoint Presentation.pptx
@@ -6,6 +6,7 @@
   </p:sldMasterIdLst>
   <p:sldIdLst>
     <p:sldId id="256" r:id="rId2"/>
+    <p:sldId id="257" r:id="rId3"/>
   </p:sldIdLst>
   <p:sldSz cx="12192000" cy="6858000"/>
   <p:notesSz cx="6858000" cy="9144000"/>
@@ -3441,7 +3442,7 @@
                 </a:ext>
               </a:extLst>
             </a:blip>
-            <a:srcRect l="-5171" t="-13385" r="-5171" b="-13385"/>
+            <a:srcRect t="-10699" b="-10699"/>
             <a:stretch/>
           </p:blipFill>
           <p:spPr>
@@ -3462,6 +3463,123 @@
     <p:extLst>
       <p:ext uri="{BB962C8B-B14F-4D97-AF65-F5344CB8AC3E}">
         <p14:creationId xmlns:p14="http://schemas.microsoft.com/office/powerpoint/2010/main" val="2403034161"/>
+      </p:ext>
+    </p:extLst>
+  </p:cSld>
+  <p:clrMapOvr>
+    <a:masterClrMapping/>
+  </p:clrMapOvr>
+</p:sld>
+</file>
+
+<file path=ppt/slides/slide2.xml><?xml version="1.0" encoding="utf-8"?>
+<p:sld xmlns:a="http://schemas.openxmlformats.org/drawingml/2006/main" xmlns:r="http://schemas.openxmlformats.org/officeDocument/2006/relationships" xmlns:p="http://schemas.openxmlformats.org/presentationml/2006/main">
+  <p:cSld>
+    <p:spTree>
+      <p:nvGrpSpPr>
+        <p:cNvPr id="1" name=""/>
+        <p:cNvGrpSpPr/>
+        <p:nvPr/>
+      </p:nvGrpSpPr>
+      <p:grpSpPr>
+        <a:xfrm>
+          <a:off x="0" y="0"/>
+          <a:ext cx="0" cy="0"/>
+          <a:chOff x="0" y="0"/>
+          <a:chExt cx="0" cy="0"/>
+        </a:xfrm>
+      </p:grpSpPr>
+      <p:sp>
+        <p:nvSpPr>
+          <p:cNvPr id="2" name="Rectangle 1">
+            <a:extLst>
+              <a:ext uri="{FF2B5EF4-FFF2-40B4-BE49-F238E27FC236}">
+                <a16:creationId xmlns:a16="http://schemas.microsoft.com/office/drawing/2014/main" id="{FF501CCD-1099-4FD3-B4B5-EBC862A2957A}"/>
+              </a:ext>
+            </a:extLst>
+          </p:cNvPr>
+          <p:cNvSpPr/>
+          <p:nvPr/>
+        </p:nvSpPr>
+        <p:spPr>
+          <a:xfrm>
+            <a:off x="3355942" y="1131216"/>
+            <a:ext cx="4769963" cy="2479250"/>
+          </a:xfrm>
+          <a:prstGeom prst="rect">
+            <a:avLst/>
+          </a:prstGeom>
+          <a:solidFill>
+            <a:schemeClr val="bg1"/>
+          </a:solidFill>
+          <a:ln>
+            <a:noFill/>
+          </a:ln>
+        </p:spPr>
+        <p:style>
+          <a:lnRef idx="2">
+            <a:schemeClr val="accent1">
+              <a:shade val="50000"/>
+            </a:schemeClr>
+          </a:lnRef>
+          <a:fillRef idx="1">
+            <a:schemeClr val="accent1"/>
+          </a:fillRef>
+          <a:effectRef idx="0">
+            <a:schemeClr val="accent1"/>
+          </a:effectRef>
+          <a:fontRef idx="minor">
+            <a:schemeClr val="lt1"/>
+          </a:fontRef>
+        </p:style>
+        <p:txBody>
+          <a:bodyPr rtlCol="0" anchor="ctr"/>
+          <a:lstStyle/>
+          <a:p>
+            <a:pPr algn="ctr"/>
+            <a:endParaRPr lang="en-IN"/>
+          </a:p>
+        </p:txBody>
+      </p:sp>
+      <p:pic>
+        <p:nvPicPr>
+          <p:cNvPr id="4" name="Picture 3">
+            <a:extLst>
+              <a:ext uri="{FF2B5EF4-FFF2-40B4-BE49-F238E27FC236}">
+                <a16:creationId xmlns:a16="http://schemas.microsoft.com/office/drawing/2014/main" id="{7A8EA916-7155-4463-B0B7-F4F6DB1E72C7}"/>
+              </a:ext>
+            </a:extLst>
+          </p:cNvPr>
+          <p:cNvPicPr>
+            <a:picLocks noChangeAspect="1"/>
+          </p:cNvPicPr>
+          <p:nvPr/>
+        </p:nvPicPr>
+        <p:blipFill rotWithShape="1">
+          <a:blip r:embed="rId2">
+            <a:extLst>
+              <a:ext uri="{28A0092B-C50C-407E-A947-70E740481C1C}">
+                <a14:useLocalDpi xmlns:a14="http://schemas.microsoft.com/office/drawing/2010/main" val="0"/>
+              </a:ext>
+            </a:extLst>
+          </a:blip>
+          <a:srcRect l="-22790" t="10959" r="-23125" b="11293"/>
+          <a:stretch/>
+        </p:blipFill>
+        <p:spPr>
+          <a:xfrm>
+            <a:off x="3684525" y="1275126"/>
+            <a:ext cx="4112797" cy="2191429"/>
+          </a:xfrm>
+          <a:prstGeom prst="rect">
+            <a:avLst/>
+          </a:prstGeom>
+        </p:spPr>
+      </p:pic>
+    </p:spTree>
+    <p:extLst>
+      <p:ext uri="{BB962C8B-B14F-4D97-AF65-F5344CB8AC3E}">
+        <p14:creationId xmlns:p14="http://schemas.microsoft.com/office/powerpoint/2010/main" val="1437701509"/>
       </p:ext>
     </p:extLst>
   </p:cSld>
